--- a/to-do-list.pptx
+++ b/to-do-list.pptx
@@ -11595,7 +11595,7 @@
               <a:defRPr/>
             </a:pPr>
             <a:r>
-              <a:rPr lang="en-US" altLang="ko-KR" sz="3600" kern="0" dirty="0">
+              <a:rPr lang="en-US" altLang="ko-KR" sz="3600" b="1" kern="0" dirty="0">
                 <a:ln w="1270">
                   <a:noFill/>
                 </a:ln>
@@ -11610,7 +11610,7 @@
               <a:t>4. </a:t>
             </a:r>
             <a:r>
-              <a:rPr lang="ko-KR" altLang="en-US" sz="3600" kern="0" dirty="0">
+              <a:rPr lang="ko-KR" altLang="en-US" sz="3600" b="1" kern="0" dirty="0">
                 <a:ln w="1270">
                   <a:noFill/>
                 </a:ln>
@@ -11625,7 +11625,7 @@
               <a:t>삭제버튼을 이용하여 해당 행 삭제 </a:t>
             </a:r>
             <a:r>
-              <a:rPr lang="en-US" altLang="ko-KR" sz="3600" kern="0" dirty="0">
+              <a:rPr lang="en-US" altLang="ko-KR" sz="3600" b="1" kern="0" dirty="0">
                 <a:ln w="1270">
                   <a:noFill/>
                 </a:ln>
@@ -11639,7 +11639,7 @@
               </a:rPr>
               <a:t>- delete</a:t>
             </a:r>
-            <a:endParaRPr lang="ko-KR" altLang="en-US" sz="3600" kern="0" dirty="0">
+            <a:endParaRPr lang="ko-KR" altLang="en-US" sz="3600" b="1" kern="0" dirty="0">
               <a:ln w="1270">
                 <a:noFill/>
               </a:ln>
@@ -12488,7 +12488,7 @@
               <a:defRPr/>
             </a:pPr>
             <a:r>
-              <a:rPr lang="en-US" altLang="ko-KR" sz="3600" kern="0" dirty="0">
+              <a:rPr lang="en-US" altLang="ko-KR" sz="3600" b="1" kern="0" dirty="0">
                 <a:ln w="1270">
                   <a:noFill/>
                 </a:ln>
@@ -12503,7 +12503,7 @@
               <a:t>4. </a:t>
             </a:r>
             <a:r>
-              <a:rPr lang="ko-KR" altLang="en-US" sz="3600" kern="0" dirty="0">
+              <a:rPr lang="ko-KR" altLang="en-US" sz="3600" b="1" kern="0" dirty="0">
                 <a:ln w="1270">
                   <a:noFill/>
                 </a:ln>
@@ -12518,7 +12518,7 @@
               <a:t>삭제버튼을 이용하여 해당 행 삭제 </a:t>
             </a:r>
             <a:r>
-              <a:rPr lang="en-US" altLang="ko-KR" sz="3600" kern="0" dirty="0">
+              <a:rPr lang="en-US" altLang="ko-KR" sz="3600" b="1" kern="0" dirty="0">
                 <a:ln w="1270">
                   <a:noFill/>
                 </a:ln>
@@ -12532,7 +12532,7 @@
               </a:rPr>
               <a:t>- delete</a:t>
             </a:r>
-            <a:endParaRPr lang="ko-KR" altLang="en-US" sz="3600" kern="0" dirty="0">
+            <a:endParaRPr lang="ko-KR" altLang="en-US" sz="3600" b="1" kern="0" dirty="0">
               <a:ln w="1270">
                 <a:noFill/>
               </a:ln>
